--- a/Web/ShoppingSystem-Notes.pptx
+++ b/Web/ShoppingSystem-Notes.pptx
@@ -8,13 +8,17 @@
   <p:sldIdLst>
     <p:sldId id="259" r:id="rId4"/>
     <p:sldId id="260" r:id="rId5"/>
-    <p:sldId id="261" r:id="rId6"/>
-    <p:sldId id="262" r:id="rId7"/>
+    <p:sldId id="264" r:id="rId6"/>
+    <p:sldId id="261" r:id="rId7"/>
+    <p:sldId id="262" r:id="rId8"/>
+    <p:sldId id="266" r:id="rId9"/>
+    <p:sldId id="263" r:id="rId10"/>
+    <p:sldId id="265" r:id="rId11"/>
   </p:sldIdLst>
   <p:sldSz cx="12192000" cy="6858000"/>
   <p:notesSz cx="6858000" cy="9144000"/>
   <p:custDataLst>
-    <p:tags r:id="rId11"/>
+    <p:tags r:id="rId15"/>
   </p:custDataLst>
   <p:defaultTextStyle>
     <a:defPPr>
@@ -12155,6 +12159,77 @@
           <a:bodyPr/>
           <a:p>
             <a:r>
+              <a:t>参考架构</a:t>
+            </a:r>
+          </a:p>
+        </p:txBody>
+      </p:sp>
+      <p:pic>
+        <p:nvPicPr>
+          <p:cNvPr id="101" name="图片 100"/>
+          <p:cNvPicPr/>
+          <p:nvPr>
+            <p:custDataLst>
+              <p:tags r:id="rId1"/>
+            </p:custDataLst>
+          </p:nvPr>
+        </p:nvPicPr>
+        <p:blipFill>
+          <a:blip r:embed="rId2"/>
+          <a:stretch>
+            <a:fillRect/>
+          </a:stretch>
+        </p:blipFill>
+        <p:spPr>
+          <a:xfrm>
+            <a:off x="2397760" y="647700"/>
+            <a:ext cx="8229600" cy="5897880"/>
+          </a:xfrm>
+          <a:prstGeom prst="rect">
+            <a:avLst/>
+          </a:prstGeom>
+          <a:noFill/>
+          <a:ln w="9525">
+            <a:noFill/>
+          </a:ln>
+        </p:spPr>
+      </p:pic>
+    </p:spTree>
+    <p:custDataLst>
+      <p:tags r:id="rId3"/>
+    </p:custDataLst>
+  </p:cSld>
+  <p:clrMapOvr>
+    <a:masterClrMapping/>
+  </p:clrMapOvr>
+</p:sld>
+</file>
+
+<file path=ppt/slides/slide4.xml><?xml version="1.0" encoding="utf-8"?>
+<p:sld xmlns:a="http://schemas.openxmlformats.org/drawingml/2006/main" xmlns:r="http://schemas.openxmlformats.org/officeDocument/2006/relationships" xmlns:p="http://schemas.openxmlformats.org/presentationml/2006/main">
+  <p:cSld>
+    <p:spTree>
+      <p:nvGrpSpPr>
+        <p:cNvPr id="1" name=""/>
+        <p:cNvGrpSpPr/>
+        <p:nvPr/>
+      </p:nvGrpSpPr>
+      <p:grpSpPr/>
+      <p:sp>
+        <p:nvSpPr>
+          <p:cNvPr id="2" name="标题 1"/>
+          <p:cNvSpPr>
+            <a:spLocks noGrp="1"/>
+          </p:cNvSpPr>
+          <p:nvPr>
+            <p:ph type="title"/>
+          </p:nvPr>
+        </p:nvSpPr>
+        <p:spPr/>
+        <p:txBody>
+          <a:bodyPr/>
+          <a:p>
+            <a:r>
               <a:rPr lang="en-US" altLang="zh-CN"/>
               <a:t>References 1 Flask</a:t>
             </a:r>
@@ -12289,7 +12364,7 @@
 </p:sld>
 </file>
 
-<file path=ppt/slides/slide4.xml><?xml version="1.0" encoding="utf-8"?>
+<file path=ppt/slides/slide5.xml><?xml version="1.0" encoding="utf-8"?>
 <p:sld xmlns:a="http://schemas.openxmlformats.org/drawingml/2006/main" xmlns:r="http://schemas.openxmlformats.org/officeDocument/2006/relationships" xmlns:p="http://schemas.openxmlformats.org/presentationml/2006/main">
   <p:cSld>
     <p:spTree>
@@ -12317,21 +12392,9 @@
               <a:rPr lang="en-US" altLang="zh-CN">
                 <a:sym typeface="+mn-ea"/>
               </a:rPr>
-              <a:t>References 1 Flask</a:t>
-            </a:r>
-            <a:r>
-              <a:rPr>
-                <a:sym typeface="+mn-ea"/>
-              </a:rPr>
-              <a:t>商城</a:t>
-            </a:r>
-            <a:r>
-              <a:rPr lang="en-US" altLang="zh-CN">
-                <a:sym typeface="+mn-ea"/>
-              </a:rPr>
-              <a:t> - 2</a:t>
-            </a:r>
-            <a:endParaRPr lang="zh-CN" altLang="en-US"/>
+              <a:t>DB Design - 1</a:t>
+            </a:r>
+            <a:endParaRPr lang="en-US" altLang="zh-CN"/>
           </a:p>
         </p:txBody>
       </p:sp>
@@ -12372,6 +12435,1048 @@
 </p:sld>
 </file>
 
+<file path=ppt/slides/slide6.xml><?xml version="1.0" encoding="utf-8"?>
+<p:sld xmlns:a="http://schemas.openxmlformats.org/drawingml/2006/main" xmlns:r="http://schemas.openxmlformats.org/officeDocument/2006/relationships" xmlns:p="http://schemas.openxmlformats.org/presentationml/2006/main">
+  <p:cSld>
+    <p:spTree>
+      <p:nvGrpSpPr>
+        <p:cNvPr id="1" name=""/>
+        <p:cNvGrpSpPr/>
+        <p:nvPr/>
+      </p:nvGrpSpPr>
+      <p:grpSpPr/>
+      <p:sp>
+        <p:nvSpPr>
+          <p:cNvPr id="2" name="标题 1"/>
+          <p:cNvSpPr>
+            <a:spLocks noGrp="1"/>
+          </p:cNvSpPr>
+          <p:nvPr>
+            <p:ph type="title"/>
+          </p:nvPr>
+        </p:nvSpPr>
+        <p:spPr/>
+        <p:txBody>
+          <a:bodyPr/>
+          <a:p>
+            <a:r>
+              <a:rPr lang="en-US" altLang="zh-CN"/>
+              <a:t>DB Design - 2</a:t>
+            </a:r>
+            <a:endParaRPr lang="en-US" altLang="zh-CN"/>
+          </a:p>
+        </p:txBody>
+      </p:sp>
+      <p:pic>
+        <p:nvPicPr>
+          <p:cNvPr id="103" name="图片 102"/>
+          <p:cNvPicPr/>
+          <p:nvPr>
+            <p:custDataLst>
+              <p:tags r:id="rId1"/>
+            </p:custDataLst>
+          </p:nvPr>
+        </p:nvPicPr>
+        <p:blipFill>
+          <a:blip r:embed="rId2"/>
+          <a:stretch>
+            <a:fillRect/>
+          </a:stretch>
+        </p:blipFill>
+        <p:spPr>
+          <a:xfrm>
+            <a:off x="3313430" y="530225"/>
+            <a:ext cx="5873750" cy="6137275"/>
+          </a:xfrm>
+          <a:prstGeom prst="rect">
+            <a:avLst/>
+          </a:prstGeom>
+          <a:noFill/>
+          <a:ln w="9525">
+            <a:noFill/>
+          </a:ln>
+        </p:spPr>
+      </p:pic>
+    </p:spTree>
+    <p:custDataLst>
+      <p:tags r:id="rId3"/>
+    </p:custDataLst>
+  </p:cSld>
+  <p:clrMapOvr>
+    <a:masterClrMapping/>
+  </p:clrMapOvr>
+</p:sld>
+</file>
+
+<file path=ppt/slides/slide7.xml><?xml version="1.0" encoding="utf-8"?>
+<p:sld xmlns:a="http://schemas.openxmlformats.org/drawingml/2006/main" xmlns:r="http://schemas.openxmlformats.org/officeDocument/2006/relationships" xmlns:p="http://schemas.openxmlformats.org/presentationml/2006/main">
+  <p:cSld>
+    <p:spTree>
+      <p:nvGrpSpPr>
+        <p:cNvPr id="1" name=""/>
+        <p:cNvGrpSpPr/>
+        <p:nvPr/>
+      </p:nvGrpSpPr>
+      <p:grpSpPr/>
+      <p:sp>
+        <p:nvSpPr>
+          <p:cNvPr id="2" name="标题 1"/>
+          <p:cNvSpPr>
+            <a:spLocks noGrp="1"/>
+          </p:cNvSpPr>
+          <p:nvPr>
+            <p:ph type="title"/>
+          </p:nvPr>
+        </p:nvSpPr>
+        <p:spPr/>
+        <p:txBody>
+          <a:bodyPr/>
+          <a:p>
+            <a:r>
+              <a:t>购物车及订单</a:t>
+            </a:r>
+          </a:p>
+        </p:txBody>
+      </p:sp>
+      <p:sp>
+        <p:nvSpPr>
+          <p:cNvPr id="4" name="圆角矩形 3"/>
+          <p:cNvSpPr/>
+          <p:nvPr/>
+        </p:nvSpPr>
+        <p:spPr>
+          <a:xfrm>
+            <a:off x="1544320" y="1475740"/>
+            <a:ext cx="2969260" cy="530860"/>
+          </a:xfrm>
+          <a:prstGeom prst="roundRect">
+            <a:avLst/>
+          </a:prstGeom>
+        </p:spPr>
+        <p:style>
+          <a:lnRef idx="2">
+            <a:schemeClr val="accent1">
+              <a:lumMod val="75000"/>
+            </a:schemeClr>
+          </a:lnRef>
+          <a:fillRef idx="1">
+            <a:schemeClr val="accent1"/>
+          </a:fillRef>
+          <a:effectRef idx="0">
+            <a:srgbClr val="FFFFFF"/>
+          </a:effectRef>
+          <a:fontRef idx="minor">
+            <a:schemeClr val="lt1"/>
+          </a:fontRef>
+        </p:style>
+        <p:txBody>
+          <a:bodyPr rtlCol="0" anchor="ctr"/>
+          <a:p>
+            <a:pPr algn="ctr"/>
+            <a:r>
+              <a:rPr lang="zh-CN" altLang="en-US"/>
+              <a:t>加入购物车</a:t>
+            </a:r>
+            <a:endParaRPr lang="zh-CN" altLang="en-US"/>
+          </a:p>
+        </p:txBody>
+      </p:sp>
+      <p:sp>
+        <p:nvSpPr>
+          <p:cNvPr id="5" name="圆角矩形 4"/>
+          <p:cNvSpPr/>
+          <p:nvPr/>
+        </p:nvSpPr>
+        <p:spPr>
+          <a:xfrm>
+            <a:off x="1544320" y="2493645"/>
+            <a:ext cx="2969260" cy="530860"/>
+          </a:xfrm>
+          <a:prstGeom prst="roundRect">
+            <a:avLst/>
+          </a:prstGeom>
+        </p:spPr>
+        <p:style>
+          <a:lnRef idx="2">
+            <a:schemeClr val="accent1">
+              <a:lumMod val="75000"/>
+            </a:schemeClr>
+          </a:lnRef>
+          <a:fillRef idx="1">
+            <a:schemeClr val="accent1"/>
+          </a:fillRef>
+          <a:effectRef idx="0">
+            <a:srgbClr val="FFFFFF"/>
+          </a:effectRef>
+          <a:fontRef idx="minor">
+            <a:schemeClr val="lt1"/>
+          </a:fontRef>
+        </p:style>
+        <p:txBody>
+          <a:bodyPr rtlCol="0" anchor="ctr"/>
+          <a:p>
+            <a:pPr algn="ctr"/>
+            <a:r>
+              <a:rPr lang="zh-CN" altLang="en-US"/>
+              <a:t>显示</a:t>
+            </a:r>
+            <a:r>
+              <a:rPr lang="en-US" altLang="zh-CN"/>
+              <a:t>“</a:t>
+            </a:r>
+            <a:r>
+              <a:rPr lang="zh-CN" altLang="en-US"/>
+              <a:t>创建订单</a:t>
+            </a:r>
+            <a:r>
+              <a:rPr lang="en-US" altLang="zh-CN"/>
+              <a:t>”</a:t>
+            </a:r>
+            <a:r>
+              <a:rPr lang="zh-CN" altLang="en-US"/>
+              <a:t>页面</a:t>
+            </a:r>
+            <a:endParaRPr lang="zh-CN" altLang="en-US"/>
+          </a:p>
+        </p:txBody>
+      </p:sp>
+      <p:sp>
+        <p:nvSpPr>
+          <p:cNvPr id="6" name="圆角矩形 5"/>
+          <p:cNvSpPr/>
+          <p:nvPr/>
+        </p:nvSpPr>
+        <p:spPr>
+          <a:xfrm>
+            <a:off x="1544320" y="3483610"/>
+            <a:ext cx="2969260" cy="530860"/>
+          </a:xfrm>
+          <a:prstGeom prst="roundRect">
+            <a:avLst/>
+          </a:prstGeom>
+        </p:spPr>
+        <p:style>
+          <a:lnRef idx="2">
+            <a:schemeClr val="accent1">
+              <a:lumMod val="75000"/>
+            </a:schemeClr>
+          </a:lnRef>
+          <a:fillRef idx="1">
+            <a:schemeClr val="accent1"/>
+          </a:fillRef>
+          <a:effectRef idx="0">
+            <a:srgbClr val="FFFFFF"/>
+          </a:effectRef>
+          <a:fontRef idx="minor">
+            <a:schemeClr val="lt1"/>
+          </a:fontRef>
+        </p:style>
+        <p:txBody>
+          <a:bodyPr rtlCol="0" anchor="ctr"/>
+          <a:p>
+            <a:pPr algn="ctr"/>
+            <a:r>
+              <a:rPr lang="zh-CN" altLang="en-US"/>
+              <a:t>生成订单</a:t>
+            </a:r>
+            <a:endParaRPr lang="zh-CN" altLang="en-US"/>
+          </a:p>
+        </p:txBody>
+      </p:sp>
+      <p:cxnSp>
+        <p:nvCxnSpPr>
+          <p:cNvPr id="7" name="直接箭头连接符 6"/>
+          <p:cNvCxnSpPr>
+            <a:stCxn id="4" idx="2"/>
+            <a:endCxn id="5" idx="0"/>
+          </p:cNvCxnSpPr>
+          <p:nvPr/>
+        </p:nvCxnSpPr>
+        <p:spPr>
+          <a:xfrm>
+            <a:off x="3028950" y="2006600"/>
+            <a:ext cx="0" cy="487045"/>
+          </a:xfrm>
+          <a:prstGeom prst="straightConnector1">
+            <a:avLst/>
+          </a:prstGeom>
+          <a:ln>
+            <a:tailEnd type="arrow"/>
+          </a:ln>
+        </p:spPr>
+        <p:style>
+          <a:lnRef idx="2">
+            <a:schemeClr val="accent1"/>
+          </a:lnRef>
+          <a:fillRef idx="0">
+            <a:srgbClr val="FFFFFF"/>
+          </a:fillRef>
+          <a:effectRef idx="0">
+            <a:srgbClr val="FFFFFF"/>
+          </a:effectRef>
+          <a:fontRef idx="minor">
+            <a:schemeClr val="tx1"/>
+          </a:fontRef>
+        </p:style>
+      </p:cxnSp>
+      <p:cxnSp>
+        <p:nvCxnSpPr>
+          <p:cNvPr id="8" name="直接箭头连接符 7"/>
+          <p:cNvCxnSpPr/>
+          <p:nvPr/>
+        </p:nvCxnSpPr>
+        <p:spPr>
+          <a:xfrm>
+            <a:off x="3028950" y="3024505"/>
+            <a:ext cx="0" cy="459105"/>
+          </a:xfrm>
+          <a:prstGeom prst="straightConnector1">
+            <a:avLst/>
+          </a:prstGeom>
+          <a:ln>
+            <a:tailEnd type="arrow"/>
+          </a:ln>
+        </p:spPr>
+        <p:style>
+          <a:lnRef idx="2">
+            <a:schemeClr val="accent1"/>
+          </a:lnRef>
+          <a:fillRef idx="0">
+            <a:srgbClr val="FFFFFF"/>
+          </a:fillRef>
+          <a:effectRef idx="0">
+            <a:srgbClr val="FFFFFF"/>
+          </a:effectRef>
+          <a:fontRef idx="minor">
+            <a:schemeClr val="tx1"/>
+          </a:fontRef>
+        </p:style>
+      </p:cxnSp>
+      <p:sp>
+        <p:nvSpPr>
+          <p:cNvPr id="3" name="文本框 2"/>
+          <p:cNvSpPr txBox="1"/>
+          <p:nvPr/>
+        </p:nvSpPr>
+        <p:spPr>
+          <a:xfrm>
+            <a:off x="3028950" y="2096770"/>
+            <a:ext cx="1328420" cy="306705"/>
+          </a:xfrm>
+          <a:prstGeom prst="rect">
+            <a:avLst/>
+          </a:prstGeom>
+          <a:noFill/>
+        </p:spPr>
+        <p:txBody>
+          <a:bodyPr wrap="square" rtlCol="0">
+            <a:spAutoFit/>
+          </a:bodyPr>
+          <a:p>
+            <a:r>
+              <a:rPr lang="zh-CN" altLang="en-US" sz="1400"/>
+              <a:t>立即购买</a:t>
+            </a:r>
+            <a:endParaRPr lang="zh-CN" altLang="en-US" sz="1400"/>
+          </a:p>
+        </p:txBody>
+      </p:sp>
+      <p:sp>
+        <p:nvSpPr>
+          <p:cNvPr id="9" name="文本框 8"/>
+          <p:cNvSpPr txBox="1"/>
+          <p:nvPr/>
+        </p:nvSpPr>
+        <p:spPr>
+          <a:xfrm>
+            <a:off x="3116580" y="3114675"/>
+            <a:ext cx="1328420" cy="306705"/>
+          </a:xfrm>
+          <a:prstGeom prst="rect">
+            <a:avLst/>
+          </a:prstGeom>
+          <a:noFill/>
+        </p:spPr>
+        <p:txBody>
+          <a:bodyPr wrap="square" rtlCol="0">
+            <a:spAutoFit/>
+          </a:bodyPr>
+          <a:p>
+            <a:r>
+              <a:rPr lang="zh-CN" altLang="en-US" sz="1400"/>
+              <a:t>提交订单</a:t>
+            </a:r>
+            <a:endParaRPr lang="zh-CN" altLang="en-US" sz="1400"/>
+          </a:p>
+        </p:txBody>
+      </p:sp>
+      <p:sp>
+        <p:nvSpPr>
+          <p:cNvPr id="10" name="圆角矩形 9"/>
+          <p:cNvSpPr/>
+          <p:nvPr/>
+        </p:nvSpPr>
+        <p:spPr>
+          <a:xfrm>
+            <a:off x="1544320" y="4375150"/>
+            <a:ext cx="2969260" cy="530860"/>
+          </a:xfrm>
+          <a:prstGeom prst="roundRect">
+            <a:avLst/>
+          </a:prstGeom>
+        </p:spPr>
+        <p:style>
+          <a:lnRef idx="2">
+            <a:schemeClr val="accent1">
+              <a:lumMod val="75000"/>
+            </a:schemeClr>
+          </a:lnRef>
+          <a:fillRef idx="1">
+            <a:schemeClr val="accent1"/>
+          </a:fillRef>
+          <a:effectRef idx="0">
+            <a:srgbClr val="FFFFFF"/>
+          </a:effectRef>
+          <a:fontRef idx="minor">
+            <a:schemeClr val="lt1"/>
+          </a:fontRef>
+        </p:style>
+        <p:txBody>
+          <a:bodyPr rtlCol="0" anchor="ctr"/>
+          <a:p>
+            <a:pPr algn="ctr"/>
+            <a:r>
+              <a:rPr lang="zh-CN" altLang="en-US"/>
+              <a:t>支付流程</a:t>
+            </a:r>
+            <a:endParaRPr lang="zh-CN" altLang="en-US"/>
+          </a:p>
+        </p:txBody>
+      </p:sp>
+      <p:cxnSp>
+        <p:nvCxnSpPr>
+          <p:cNvPr id="11" name="直接箭头连接符 10"/>
+          <p:cNvCxnSpPr>
+            <a:stCxn id="6" idx="2"/>
+            <a:endCxn id="10" idx="0"/>
+          </p:cNvCxnSpPr>
+          <p:nvPr/>
+        </p:nvCxnSpPr>
+        <p:spPr>
+          <a:xfrm>
+            <a:off x="3028950" y="4014470"/>
+            <a:ext cx="0" cy="360680"/>
+          </a:xfrm>
+          <a:prstGeom prst="straightConnector1">
+            <a:avLst/>
+          </a:prstGeom>
+          <a:ln>
+            <a:tailEnd type="arrow"/>
+          </a:ln>
+        </p:spPr>
+        <p:style>
+          <a:lnRef idx="2">
+            <a:schemeClr val="accent1"/>
+          </a:lnRef>
+          <a:fillRef idx="0">
+            <a:srgbClr val="FFFFFF"/>
+          </a:fillRef>
+          <a:effectRef idx="0">
+            <a:srgbClr val="FFFFFF"/>
+          </a:effectRef>
+          <a:fontRef idx="minor">
+            <a:schemeClr val="tx1"/>
+          </a:fontRef>
+        </p:style>
+      </p:cxnSp>
+      <p:sp>
+        <p:nvSpPr>
+          <p:cNvPr id="12" name="文本框 11"/>
+          <p:cNvSpPr txBox="1"/>
+          <p:nvPr/>
+        </p:nvSpPr>
+        <p:spPr>
+          <a:xfrm>
+            <a:off x="3116580" y="4014470"/>
+            <a:ext cx="1328420" cy="306705"/>
+          </a:xfrm>
+          <a:prstGeom prst="rect">
+            <a:avLst/>
+          </a:prstGeom>
+          <a:noFill/>
+        </p:spPr>
+        <p:txBody>
+          <a:bodyPr wrap="square" rtlCol="0">
+            <a:spAutoFit/>
+          </a:bodyPr>
+          <a:p>
+            <a:r>
+              <a:rPr lang="zh-CN" altLang="en-US" sz="1400"/>
+              <a:t>确认支付</a:t>
+            </a:r>
+            <a:endParaRPr lang="zh-CN" altLang="en-US" sz="1400"/>
+          </a:p>
+        </p:txBody>
+      </p:sp>
+      <p:pic>
+        <p:nvPicPr>
+          <p:cNvPr id="102" name="图片 101"/>
+          <p:cNvPicPr/>
+          <p:nvPr>
+            <p:custDataLst>
+              <p:tags r:id="rId1"/>
+            </p:custDataLst>
+          </p:nvPr>
+        </p:nvPicPr>
+        <p:blipFill>
+          <a:blip r:embed="rId2"/>
+          <a:stretch>
+            <a:fillRect/>
+          </a:stretch>
+        </p:blipFill>
+        <p:spPr>
+          <a:xfrm>
+            <a:off x="4943475" y="1489075"/>
+            <a:ext cx="6888480" cy="2886075"/>
+          </a:xfrm>
+          <a:prstGeom prst="rect">
+            <a:avLst/>
+          </a:prstGeom>
+          <a:noFill/>
+          <a:ln w="9525">
+            <a:noFill/>
+          </a:ln>
+        </p:spPr>
+      </p:pic>
+    </p:spTree>
+    <p:custDataLst>
+      <p:tags r:id="rId3"/>
+    </p:custDataLst>
+  </p:cSld>
+  <p:clrMapOvr>
+    <a:masterClrMapping/>
+  </p:clrMapOvr>
+</p:sld>
+</file>
+
+<file path=ppt/slides/slide8.xml><?xml version="1.0" encoding="utf-8"?>
+<p:sld xmlns:a="http://schemas.openxmlformats.org/drawingml/2006/main" xmlns:r="http://schemas.openxmlformats.org/officeDocument/2006/relationships" xmlns:p="http://schemas.openxmlformats.org/presentationml/2006/main">
+  <p:cSld>
+    <p:spTree>
+      <p:nvGrpSpPr>
+        <p:cNvPr id="1" name=""/>
+        <p:cNvGrpSpPr/>
+        <p:nvPr/>
+      </p:nvGrpSpPr>
+      <p:grpSpPr/>
+      <p:sp>
+        <p:nvSpPr>
+          <p:cNvPr id="2" name="标题 1"/>
+          <p:cNvSpPr>
+            <a:spLocks noGrp="1"/>
+          </p:cNvSpPr>
+          <p:nvPr>
+            <p:ph type="title"/>
+          </p:nvPr>
+        </p:nvSpPr>
+        <p:spPr/>
+        <p:txBody>
+          <a:bodyPr/>
+          <a:p>
+            <a:r>
+              <a:rPr lang="zh-CN" altLang="en-US"/>
+              <a:t>生成订单</a:t>
+            </a:r>
+            <a:endParaRPr lang="zh-CN" altLang="en-US"/>
+          </a:p>
+        </p:txBody>
+      </p:sp>
+      <p:sp>
+        <p:nvSpPr>
+          <p:cNvPr id="3" name="内容占位符 2"/>
+          <p:cNvSpPr>
+            <a:spLocks noGrp="1"/>
+          </p:cNvSpPr>
+          <p:nvPr>
+            <p:ph idx="1"/>
+          </p:nvPr>
+        </p:nvSpPr>
+        <p:spPr>
+          <a:xfrm>
+            <a:off x="669925" y="952500"/>
+            <a:ext cx="6130925" cy="1030605"/>
+          </a:xfrm>
+        </p:spPr>
+        <p:txBody>
+          <a:bodyPr/>
+          <a:p>
+            <a:r>
+              <a:rPr lang="en-US" altLang="zh-CN"/>
+              <a:t>References</a:t>
+            </a:r>
+            <a:endParaRPr lang="en-US" altLang="zh-CN"/>
+          </a:p>
+          <a:p>
+            <a:pPr lvl="1"/>
+            <a:r>
+              <a:rPr lang="en-US" altLang="zh-CN"/>
+              <a:t>https://www.jianshu.com/p/c244edbaf5c4</a:t>
+            </a:r>
+            <a:endParaRPr lang="en-US" altLang="zh-CN"/>
+          </a:p>
+          <a:p>
+            <a:pPr marL="0" lvl="0" indent="0">
+              <a:buNone/>
+            </a:pPr>
+            <a:endParaRPr lang="en-US" altLang="zh-CN"/>
+          </a:p>
+        </p:txBody>
+      </p:sp>
+      <p:sp>
+        <p:nvSpPr>
+          <p:cNvPr id="4" name="圆角矩形 3"/>
+          <p:cNvSpPr/>
+          <p:nvPr/>
+        </p:nvSpPr>
+        <p:spPr>
+          <a:xfrm>
+            <a:off x="7972425" y="1014095"/>
+            <a:ext cx="2757805" cy="631190"/>
+          </a:xfrm>
+          <a:prstGeom prst="roundRect">
+            <a:avLst/>
+          </a:prstGeom>
+        </p:spPr>
+        <p:style>
+          <a:lnRef idx="2">
+            <a:schemeClr val="accent1">
+              <a:lumMod val="75000"/>
+            </a:schemeClr>
+          </a:lnRef>
+          <a:fillRef idx="1">
+            <a:schemeClr val="accent1"/>
+          </a:fillRef>
+          <a:effectRef idx="0">
+            <a:srgbClr val="FFFFFF"/>
+          </a:effectRef>
+          <a:fontRef idx="minor">
+            <a:schemeClr val="lt1"/>
+          </a:fontRef>
+        </p:style>
+        <p:txBody>
+          <a:bodyPr rtlCol="0" anchor="ctr"/>
+          <a:p>
+            <a:pPr algn="ctr"/>
+            <a:r>
+              <a:rPr lang="zh-CN" altLang="en-US"/>
+              <a:t>生成订单编号</a:t>
+            </a:r>
+            <a:endParaRPr lang="zh-CN" altLang="en-US"/>
+          </a:p>
+        </p:txBody>
+      </p:sp>
+      <p:sp>
+        <p:nvSpPr>
+          <p:cNvPr id="5" name="圆角矩形 4"/>
+          <p:cNvSpPr/>
+          <p:nvPr/>
+        </p:nvSpPr>
+        <p:spPr>
+          <a:xfrm>
+            <a:off x="7972425" y="1925955"/>
+            <a:ext cx="2757805" cy="631190"/>
+          </a:xfrm>
+          <a:prstGeom prst="roundRect">
+            <a:avLst/>
+          </a:prstGeom>
+        </p:spPr>
+        <p:style>
+          <a:lnRef idx="2">
+            <a:schemeClr val="accent1">
+              <a:lumMod val="75000"/>
+            </a:schemeClr>
+          </a:lnRef>
+          <a:fillRef idx="1">
+            <a:schemeClr val="accent1"/>
+          </a:fillRef>
+          <a:effectRef idx="0">
+            <a:srgbClr val="FFFFFF"/>
+          </a:effectRef>
+          <a:fontRef idx="minor">
+            <a:schemeClr val="lt1"/>
+          </a:fontRef>
+        </p:style>
+        <p:txBody>
+          <a:bodyPr rtlCol="0" anchor="ctr"/>
+          <a:p>
+            <a:pPr algn="ctr"/>
+            <a:r>
+              <a:rPr lang="zh-CN" altLang="en-US"/>
+              <a:t>获取购物车结算商品数据</a:t>
+            </a:r>
+            <a:endParaRPr lang="zh-CN" altLang="en-US"/>
+          </a:p>
+        </p:txBody>
+      </p:sp>
+      <p:sp>
+        <p:nvSpPr>
+          <p:cNvPr id="6" name="圆角矩形 5"/>
+          <p:cNvSpPr/>
+          <p:nvPr/>
+        </p:nvSpPr>
+        <p:spPr>
+          <a:xfrm>
+            <a:off x="7972425" y="2827020"/>
+            <a:ext cx="2757805" cy="631190"/>
+          </a:xfrm>
+          <a:prstGeom prst="roundRect">
+            <a:avLst/>
+          </a:prstGeom>
+        </p:spPr>
+        <p:style>
+          <a:lnRef idx="2">
+            <a:schemeClr val="accent1">
+              <a:lumMod val="75000"/>
+            </a:schemeClr>
+          </a:lnRef>
+          <a:fillRef idx="1">
+            <a:schemeClr val="accent1"/>
+          </a:fillRef>
+          <a:effectRef idx="0">
+            <a:srgbClr val="FFFFFF"/>
+          </a:effectRef>
+          <a:fontRef idx="minor">
+            <a:schemeClr val="lt1"/>
+          </a:fontRef>
+        </p:style>
+        <p:txBody>
+          <a:bodyPr rtlCol="0" anchor="ctr"/>
+          <a:p>
+            <a:pPr algn="ctr"/>
+            <a:r>
+              <a:rPr lang="zh-CN" altLang="en-US"/>
+              <a:t>遍历结算商品：判断商品库存是否充足</a:t>
+            </a:r>
+            <a:endParaRPr lang="zh-CN" altLang="en-US"/>
+          </a:p>
+        </p:txBody>
+      </p:sp>
+      <p:sp>
+        <p:nvSpPr>
+          <p:cNvPr id="7" name="圆角矩形 6"/>
+          <p:cNvSpPr/>
+          <p:nvPr/>
+        </p:nvSpPr>
+        <p:spPr>
+          <a:xfrm>
+            <a:off x="7972425" y="3728085"/>
+            <a:ext cx="2757805" cy="631190"/>
+          </a:xfrm>
+          <a:prstGeom prst="roundRect">
+            <a:avLst/>
+          </a:prstGeom>
+        </p:spPr>
+        <p:style>
+          <a:lnRef idx="2">
+            <a:schemeClr val="accent1">
+              <a:lumMod val="75000"/>
+            </a:schemeClr>
+          </a:lnRef>
+          <a:fillRef idx="1">
+            <a:schemeClr val="accent1"/>
+          </a:fillRef>
+          <a:effectRef idx="0">
+            <a:srgbClr val="FFFFFF"/>
+          </a:effectRef>
+          <a:fontRef idx="minor">
+            <a:schemeClr val="lt1"/>
+          </a:fontRef>
+        </p:style>
+        <p:txBody>
+          <a:bodyPr rtlCol="0" anchor="ctr"/>
+          <a:p>
+            <a:pPr algn="ctr"/>
+            <a:r>
+              <a:rPr lang="zh-CN" altLang="en-US"/>
+              <a:t>更新</a:t>
+            </a:r>
+            <a:r>
+              <a:rPr lang="en-US" altLang="zh-CN"/>
+              <a:t>SKU</a:t>
+            </a:r>
+            <a:r>
+              <a:rPr lang="zh-CN" altLang="en-US"/>
+              <a:t>，减少商品库存，增加商品销量</a:t>
+            </a:r>
+            <a:endParaRPr lang="zh-CN" altLang="en-US"/>
+          </a:p>
+        </p:txBody>
+      </p:sp>
+      <p:sp>
+        <p:nvSpPr>
+          <p:cNvPr id="8" name="圆角矩形 7"/>
+          <p:cNvSpPr/>
+          <p:nvPr/>
+        </p:nvSpPr>
+        <p:spPr>
+          <a:xfrm>
+            <a:off x="7972425" y="4629150"/>
+            <a:ext cx="2757805" cy="631190"/>
+          </a:xfrm>
+          <a:prstGeom prst="roundRect">
+            <a:avLst/>
+          </a:prstGeom>
+        </p:spPr>
+        <p:style>
+          <a:lnRef idx="2">
+            <a:schemeClr val="accent1">
+              <a:lumMod val="75000"/>
+            </a:schemeClr>
+          </a:lnRef>
+          <a:fillRef idx="1">
+            <a:schemeClr val="accent1"/>
+          </a:fillRef>
+          <a:effectRef idx="0">
+            <a:srgbClr val="FFFFFF"/>
+          </a:effectRef>
+          <a:fontRef idx="minor">
+            <a:schemeClr val="lt1"/>
+          </a:fontRef>
+        </p:style>
+        <p:txBody>
+          <a:bodyPr rtlCol="0" anchor="ctr"/>
+          <a:p>
+            <a:pPr algn="ctr"/>
+            <a:r>
+              <a:rPr lang="zh-CN" altLang="en-US"/>
+              <a:t>保存订单商品数据</a:t>
+            </a:r>
+            <a:endParaRPr lang="zh-CN" altLang="en-US"/>
+          </a:p>
+        </p:txBody>
+      </p:sp>
+      <p:sp>
+        <p:nvSpPr>
+          <p:cNvPr id="9" name="圆角矩形 8"/>
+          <p:cNvSpPr/>
+          <p:nvPr/>
+        </p:nvSpPr>
+        <p:spPr>
+          <a:xfrm>
+            <a:off x="7972425" y="5530215"/>
+            <a:ext cx="2757805" cy="631190"/>
+          </a:xfrm>
+          <a:prstGeom prst="roundRect">
+            <a:avLst/>
+          </a:prstGeom>
+        </p:spPr>
+        <p:style>
+          <a:lnRef idx="2">
+            <a:schemeClr val="accent1">
+              <a:lumMod val="75000"/>
+            </a:schemeClr>
+          </a:lnRef>
+          <a:fillRef idx="1">
+            <a:schemeClr val="accent1"/>
+          </a:fillRef>
+          <a:effectRef idx="0">
+            <a:srgbClr val="FFFFFF"/>
+          </a:effectRef>
+          <a:fontRef idx="minor">
+            <a:schemeClr val="lt1"/>
+          </a:fontRef>
+        </p:style>
+        <p:txBody>
+          <a:bodyPr rtlCol="0" anchor="ctr"/>
+          <a:p>
+            <a:pPr algn="ctr"/>
+            <a:r>
+              <a:rPr lang="zh-CN" altLang="en-US"/>
+              <a:t>购物车中删除已结算商品数据</a:t>
+            </a:r>
+            <a:endParaRPr lang="zh-CN" altLang="en-US"/>
+          </a:p>
+        </p:txBody>
+      </p:sp>
+      <p:cxnSp>
+        <p:nvCxnSpPr>
+          <p:cNvPr id="10" name="直接箭头连接符 9"/>
+          <p:cNvCxnSpPr/>
+          <p:nvPr/>
+        </p:nvCxnSpPr>
+        <p:spPr>
+          <a:xfrm>
+            <a:off x="9351645" y="1645285"/>
+            <a:ext cx="0" cy="337820"/>
+          </a:xfrm>
+          <a:prstGeom prst="straightConnector1">
+            <a:avLst/>
+          </a:prstGeom>
+          <a:ln>
+            <a:tailEnd type="arrow"/>
+          </a:ln>
+        </p:spPr>
+        <p:style>
+          <a:lnRef idx="2">
+            <a:schemeClr val="accent1"/>
+          </a:lnRef>
+          <a:fillRef idx="0">
+            <a:srgbClr val="FFFFFF"/>
+          </a:fillRef>
+          <a:effectRef idx="0">
+            <a:srgbClr val="FFFFFF"/>
+          </a:effectRef>
+          <a:fontRef idx="minor">
+            <a:schemeClr val="tx1"/>
+          </a:fontRef>
+        </p:style>
+      </p:cxnSp>
+      <p:cxnSp>
+        <p:nvCxnSpPr>
+          <p:cNvPr id="11" name="直接箭头连接符 10"/>
+          <p:cNvCxnSpPr/>
+          <p:nvPr/>
+        </p:nvCxnSpPr>
+        <p:spPr>
+          <a:xfrm>
+            <a:off x="9351645" y="2557145"/>
+            <a:ext cx="0" cy="269875"/>
+          </a:xfrm>
+          <a:prstGeom prst="straightConnector1">
+            <a:avLst/>
+          </a:prstGeom>
+          <a:ln>
+            <a:tailEnd type="arrow"/>
+          </a:ln>
+        </p:spPr>
+        <p:style>
+          <a:lnRef idx="2">
+            <a:schemeClr val="accent1"/>
+          </a:lnRef>
+          <a:fillRef idx="0">
+            <a:srgbClr val="FFFFFF"/>
+          </a:fillRef>
+          <a:effectRef idx="0">
+            <a:srgbClr val="FFFFFF"/>
+          </a:effectRef>
+          <a:fontRef idx="minor">
+            <a:schemeClr val="tx1"/>
+          </a:fontRef>
+        </p:style>
+      </p:cxnSp>
+      <p:cxnSp>
+        <p:nvCxnSpPr>
+          <p:cNvPr id="12" name="直接箭头连接符 11"/>
+          <p:cNvCxnSpPr/>
+          <p:nvPr/>
+        </p:nvCxnSpPr>
+        <p:spPr>
+          <a:xfrm>
+            <a:off x="9351645" y="3458210"/>
+            <a:ext cx="0" cy="269875"/>
+          </a:xfrm>
+          <a:prstGeom prst="straightConnector1">
+            <a:avLst/>
+          </a:prstGeom>
+          <a:ln>
+            <a:tailEnd type="arrow"/>
+          </a:ln>
+        </p:spPr>
+        <p:style>
+          <a:lnRef idx="2">
+            <a:schemeClr val="accent1"/>
+          </a:lnRef>
+          <a:fillRef idx="0">
+            <a:srgbClr val="FFFFFF"/>
+          </a:fillRef>
+          <a:effectRef idx="0">
+            <a:srgbClr val="FFFFFF"/>
+          </a:effectRef>
+          <a:fontRef idx="minor">
+            <a:schemeClr val="tx1"/>
+          </a:fontRef>
+        </p:style>
+      </p:cxnSp>
+      <p:cxnSp>
+        <p:nvCxnSpPr>
+          <p:cNvPr id="13" name="直接箭头连接符 12"/>
+          <p:cNvCxnSpPr/>
+          <p:nvPr/>
+        </p:nvCxnSpPr>
+        <p:spPr>
+          <a:xfrm>
+            <a:off x="9351645" y="4359275"/>
+            <a:ext cx="0" cy="269875"/>
+          </a:xfrm>
+          <a:prstGeom prst="straightConnector1">
+            <a:avLst/>
+          </a:prstGeom>
+          <a:ln>
+            <a:tailEnd type="arrow"/>
+          </a:ln>
+        </p:spPr>
+        <p:style>
+          <a:lnRef idx="2">
+            <a:schemeClr val="accent1"/>
+          </a:lnRef>
+          <a:fillRef idx="0">
+            <a:srgbClr val="FFFFFF"/>
+          </a:fillRef>
+          <a:effectRef idx="0">
+            <a:srgbClr val="FFFFFF"/>
+          </a:effectRef>
+          <a:fontRef idx="minor">
+            <a:schemeClr val="tx1"/>
+          </a:fontRef>
+        </p:style>
+      </p:cxnSp>
+      <p:cxnSp>
+        <p:nvCxnSpPr>
+          <p:cNvPr id="14" name="直接箭头连接符 13"/>
+          <p:cNvCxnSpPr>
+            <a:stCxn id="8" idx="2"/>
+            <a:endCxn id="9" idx="0"/>
+          </p:cNvCxnSpPr>
+          <p:nvPr/>
+        </p:nvCxnSpPr>
+        <p:spPr>
+          <a:xfrm>
+            <a:off x="9351645" y="5260340"/>
+            <a:ext cx="0" cy="269875"/>
+          </a:xfrm>
+          <a:prstGeom prst="straightConnector1">
+            <a:avLst/>
+          </a:prstGeom>
+          <a:ln>
+            <a:tailEnd type="arrow"/>
+          </a:ln>
+        </p:spPr>
+        <p:style>
+          <a:lnRef idx="2">
+            <a:schemeClr val="accent1"/>
+          </a:lnRef>
+          <a:fillRef idx="0">
+            <a:srgbClr val="FFFFFF"/>
+          </a:fillRef>
+          <a:effectRef idx="0">
+            <a:srgbClr val="FFFFFF"/>
+          </a:effectRef>
+          <a:fontRef idx="minor">
+            <a:schemeClr val="tx1"/>
+          </a:fontRef>
+        </p:style>
+      </p:cxnSp>
+    </p:spTree>
+    <p:custDataLst>
+      <p:tags r:id="rId1"/>
+    </p:custDataLst>
+  </p:cSld>
+  <p:clrMapOvr>
+    <a:masterClrMapping/>
+  </p:clrMapOvr>
+</p:sld>
+</file>
+
 <file path=ppt/tags/tag1.xml><?xml version="1.0" encoding="utf-8"?>
 <p:tagLst xmlns:p="http://schemas.openxmlformats.org/presentationml/2006/main">
   <p:tag name="KSO_WM_UNIT_HIGHLIGHT" val="0"/>
@@ -13047,9 +14152,7 @@
 
 <file path=ppt/tags/tag136.xml><?xml version="1.0" encoding="utf-8"?>
 <p:tagLst xmlns:p="http://schemas.openxmlformats.org/presentationml/2006/main">
-  <p:tag name="KSO_WM_BEAUTIFY_FLAG" val="#wm#"/>
-  <p:tag name="KSO_WM_TEMPLATE_CATEGORY" val="custom"/>
-  <p:tag name="KSO_WM_TEMPLATE_INDEX" val="20229149"/>
+  <p:tag name="KSO_WM_BEAUTIFY_FLAG" val=""/>
 </p:tagLst>
 </file>
 
@@ -13063,7 +14166,17 @@
 
 <file path=ppt/tags/tag138.xml><?xml version="1.0" encoding="utf-8"?>
 <p:tagLst xmlns:p="http://schemas.openxmlformats.org/presentationml/2006/main">
-  <p:tag name="commondata" val="eyJoZGlkIjoiYjRhZjQ5NWVmZmQxNmM3NmNkNDYxNWRmNzNmMjA1ZDAifQ=="/>
+  <p:tag name="KSO_WM_BEAUTIFY_FLAG" val="#wm#"/>
+  <p:tag name="KSO_WM_TEMPLATE_CATEGORY" val="custom"/>
+  <p:tag name="KSO_WM_TEMPLATE_INDEX" val="20229149"/>
+</p:tagLst>
+</file>
+
+<file path=ppt/tags/tag139.xml><?xml version="1.0" encoding="utf-8"?>
+<p:tagLst xmlns:p="http://schemas.openxmlformats.org/presentationml/2006/main">
+  <p:tag name="KSO_WM_BEAUTIFY_FLAG" val="#wm#"/>
+  <p:tag name="KSO_WM_TEMPLATE_CATEGORY" val="custom"/>
+  <p:tag name="KSO_WM_TEMPLATE_INDEX" val="20229149"/>
 </p:tagLst>
 </file>
 
@@ -13077,6 +14190,48 @@
   <p:tag name="KSO_WM_UNIT_LAYERLEVEL" val="1"/>
   <p:tag name="KSO_WM_TAG_VERSION" val="1.0"/>
   <p:tag name="KSO_WM_BEAUTIFY_FLAG" val="#wm#"/>
+</p:tagLst>
+</file>
+
+<file path=ppt/tags/tag140.xml><?xml version="1.0" encoding="utf-8"?>
+<p:tagLst xmlns:p="http://schemas.openxmlformats.org/presentationml/2006/main">
+  <p:tag name="KSO_WM_BEAUTIFY_FLAG" val=""/>
+</p:tagLst>
+</file>
+
+<file path=ppt/tags/tag141.xml><?xml version="1.0" encoding="utf-8"?>
+<p:tagLst xmlns:p="http://schemas.openxmlformats.org/presentationml/2006/main">
+  <p:tag name="KSO_WM_BEAUTIFY_FLAG" val="#wm#"/>
+  <p:tag name="KSO_WM_TEMPLATE_CATEGORY" val="custom"/>
+  <p:tag name="KSO_WM_TEMPLATE_INDEX" val="20229149"/>
+</p:tagLst>
+</file>
+
+<file path=ppt/tags/tag142.xml><?xml version="1.0" encoding="utf-8"?>
+<p:tagLst xmlns:p="http://schemas.openxmlformats.org/presentationml/2006/main">
+  <p:tag name="KSO_WM_BEAUTIFY_FLAG" val=""/>
+</p:tagLst>
+</file>
+
+<file path=ppt/tags/tag143.xml><?xml version="1.0" encoding="utf-8"?>
+<p:tagLst xmlns:p="http://schemas.openxmlformats.org/presentationml/2006/main">
+  <p:tag name="KSO_WM_BEAUTIFY_FLAG" val="#wm#"/>
+  <p:tag name="KSO_WM_TEMPLATE_CATEGORY" val="custom"/>
+  <p:tag name="KSO_WM_TEMPLATE_INDEX" val="20229149"/>
+</p:tagLst>
+</file>
+
+<file path=ppt/tags/tag144.xml><?xml version="1.0" encoding="utf-8"?>
+<p:tagLst xmlns:p="http://schemas.openxmlformats.org/presentationml/2006/main">
+  <p:tag name="KSO_WM_BEAUTIFY_FLAG" val="#wm#"/>
+  <p:tag name="KSO_WM_TEMPLATE_CATEGORY" val="custom"/>
+  <p:tag name="KSO_WM_TEMPLATE_INDEX" val="20229149"/>
+</p:tagLst>
+</file>
+
+<file path=ppt/tags/tag145.xml><?xml version="1.0" encoding="utf-8"?>
+<p:tagLst xmlns:p="http://schemas.openxmlformats.org/presentationml/2006/main">
+  <p:tag name="commondata" val="eyJoZGlkIjoiYjRhZjQ5NWVmZmQxNmM3NmNkNDYxNWRmNzNmMjA1ZDAifQ=="/>
 </p:tagLst>
 </file>
 
